--- a/2. Recognising Faces/Slides/2.1.pptx
+++ b/2. Recognising Faces/Slides/2.1.pptx
@@ -295,7 +295,7 @@
   <inkml:trace contextRef="#ctx0" brushRef="#br0" timeOffset="14599">3443 548 24575,'0'18'0,"0"-4"0,0 10 0,0-10 0,0 10 0,0-4 0,0 5 0,0 1 0,0-6 0,0 4 0,0-10 0,0 10 0,0-4 0,0 0 0,0 11 0,0-16 0,0 17 0,0-12 0,0-1 0,0 6 0,0-6 0,0 1 0,0-2 0,0 0 0,0 2 0,0 6 0,0 0 0,0-7 0,0-1 0,0-6 0,0 0 0,0 0 0,0 0 0,0 0 0,0 0 0,0 0 0,0 0 0,6-5 0,0-2 0,6-5 0,-5-12 0,3 4 0,-3-10 0,6-1 0,-7 0 0,5-1 0,-4-5 0,0 12 0,5-12 0,-11 12 0,10-6 0,-10 7 0,10 0 0,-10 0 0,5 0 0,-6 0 0,0 0 0,0 0 0,0-7 0,0 6 0,0-5 0,0 5 0,0 1 0,0 0 0,0 0 0,0 0 0,0 0 0,0 0 0,0 0 0,0 0 0,5 0 0,-4 0 0,5 0 0,-6 0 0,0-1 0,0-5 0,0 5 0,0-6 0,0 7 0,0 0 0,0 0 0,0 0 0,0 0 0,0 0 0,0 0 0,0 0 0,0 0 0,-6 5 0,5-4 0,-4 4 0,-1-5 0,-1 0 0,1 0 0,-5 5 0,10 2 0,-5 5 0</inkml:trace>
   <inkml:trace contextRef="#ctx0" brushRef="#br0" timeOffset="16443">2491 102 24575,'6'-12'0,"6"0"0,8-1 0,0 6 0,-2 1 0,0 6 0,2-6 0,6 5 0,0-5 0,-7 6 0,-1 0 0,0 0 0,2 0 0,0-6 0,-2 5 0,-6-4 0,6-7 0,-4 9 0,10-8 0,-11 11 0,5 0 0,-6 0 0,0 0 0,0 0 0,0 0 0,0 0 0,0 0 0,0 0 0,0 0 0,0 0 0,0 0 0,0 0 0,0 0 0,0 0 0,0 0 0,0 0 0,-1 0 0,1 0 0,0 0 0,0 0 0,0 0 0,0 0 0,0 0 0,0 0 0,0 0 0,0 5 0,0 2 0,-6 5 0,5-6 0,-4 5 0,-1-5 0,5 6 0,-4-5 0,-1 4 0,5-10 0,-5 10 0,6-5 0,-5 6 0,-2 0 0,-5 0 0,0 0 0,0 0 0,6 0 0,-5 0 0,4 0 0,1 0 0,0-6 0,1 0 0,-2-6 0</inkml:trace>
   <inkml:trace contextRef="#ctx0" brushRef="#br0" timeOffset="18977">463 514 24575,'0'-12'0,"0"-7"0,0 0 0,5-1 0,-4-5 0,16 11 0,-14-10 0,14 15 0,-10-14 0,5 15 0,0-5 0,-5 2 0,4 10 0,-5-5 0,6 1 0,0 3 0,0-14 0,0 13 0,1-9 0,-1 7 0,0-2 0,0 0 0,0-3 0,0 3 0,-1 0 0,8 2 0,-6-1 0,5 5 0,0-4 0,-4-1 0,4 5 0,-6-4 0,6 5 0,-4-6 0,4 5 0,-6-4 0,6-1 0,-5 4 0,5-4 0,-6 1 0,0 4 0,0-5 0,0 1 0,0 4 0,0-5 0,0 6 0,0 0 0,0-5 0,0 4 0,0-5 0,6 6 0,-5 0 0,5 0 0,-6 0 0,0 0 0,0 0 0,0 0 0,0 0 0,0 0 0,0 0 0,0 0 0,0 0 0,0 0 0,0 0 0,0 0 0,0 0 0,-1 0 0,1 0 0,0 0 0,0 0 0,0 0 0,0 0 0,0 0 0,0 0 0,0 0 0,0 0 0,0 0 0,0 0 0,0 5 0,0-3 0,0 8 0,-6-8 0,-1 3 0</inkml:trace>
-  <inkml:trace contextRef="#ctx0" brushRef="#br0" timeOffset="1.65353E6">1858 954 24575,'144'2'0,"-69"27"0,-27-15 0,-82-79 0,-27-11 0,28 46 0,-23 20 0,44 10 0,-10 0 0,7 0 0,-13 16 0,14-7 0,-14 24 0,13-12 0,-14 26 0,15-23 0,-4 21 0,6-30 0,5 8 0,2-12 0,5 1 0,0 0 0,-5 0 0,3 0 0,-3 0 0,5 6 0,0-4 0,0 4 0,-5-11 0,3 3 0,-3-3 0,5 5 0,0 0 0,0 0 0,0 0 0,0-1 0,0 8 0,0 0 0,0 7 0,0 0 0,0 0 0,0 0 0,6 0 0,0-7 0,7 6 0,-1-12 0,1 12 0,-1-12 0,1 5 0,-2-6 0,-4 0 0,4-5 0,-10 3 0,10-8 0,-10 8 0,10-3 0,-5-1 0,6 5 0,0-4 0,0 5 0,0-6 0,-5 5 0,3-10 0,-3 5 0,-1-1 0,5-4 0,-4 4 0,5-5 0,0 6 0,-1-5 0,1 4 0,0-5 0,6 0 0,2 0 0,6 0 0,-6 0 0,4 0 0,-4 0 0,-1 0 0,6 0 0,-12 0 0,12 0 0,-12 0 0,11 0 0,-10 0 0,4-5 0,5-2 0,-8-5 0,9 0 0,-12 5 0,-6-3 0,0 3 0,-6-5 0,0 0 0,0 0 0,0 0 0,0 0 0,0 0 0,0-1 0,0 1 0,0 0 0,0 0 0,0-6 0,0 4 0,0-10 0,0 4 0,0 0 0,-6-4 0,4 10 0,-3-4 0,-1 6 0,5 0 0,-5 0 0,1-1 0,4 1 0,-5-6 0,1 4 0,4-4 0,-5 6 0,1 0 0,4 0 0,-10 0 0,4 0 0,0 0 0,-3 0 0,8 0 0,-3-1 0,0 7 0,3-5 0,-8 4 0,8-5 0,-9 0 0,10-6 0,-10 4 0,10-4 0,-10 6 0,10 0 0,-10 5 0,4 2 0,1 5 0,0 0 0</inkml:trace>
+  <inkml:trace contextRef="#ctx0" brushRef="#br0" timeOffset="-64456.919">1858 954 24575,'144'2'0,"-69"27"0,-27-15 0,-82-79 0,-27-11 0,28 46 0,-23 20 0,44 10 0,-10 0 0,7 0 0,-13 16 0,14-7 0,-14 24 0,13-12 0,-14 26 0,15-23 0,-4 21 0,6-30 0,5 8 0,2-12 0,5 1 0,0 0 0,-5 0 0,3 0 0,-3 0 0,5 6 0,0-4 0,0 4 0,-5-11 0,3 3 0,-3-3 0,5 5 0,0 0 0,0 0 0,0 0 0,0-1 0,0 8 0,0 0 0,0 7 0,0 0 0,0 0 0,0 0 0,6 0 0,0-7 0,7 6 0,-1-12 0,1 12 0,-1-12 0,1 5 0,-2-6 0,-4 0 0,4-5 0,-10 3 0,10-8 0,-10 8 0,10-3 0,-5-1 0,6 5 0,0-4 0,0 5 0,0-6 0,-5 5 0,3-10 0,-3 5 0,-1-1 0,5-4 0,-4 4 0,5-5 0,0 6 0,-1-5 0,1 4 0,0-5 0,6 0 0,2 0 0,6 0 0,-6 0 0,4 0 0,-4 0 0,-1 0 0,6 0 0,-12 0 0,12 0 0,-12 0 0,11 0 0,-10 0 0,4-5 0,5-2 0,-8-5 0,9 0 0,-12 5 0,-6-3 0,0 3 0,-6-5 0,0 0 0,0 0 0,0 0 0,0 0 0,0 0 0,0-1 0,0 1 0,0 0 0,0 0 0,0-6 0,0 4 0,0-10 0,0 4 0,0 0 0,-6-4 0,4 10 0,-3-4 0,-1 6 0,5 0 0,-5 0 0,1-1 0,4 1 0,-5-6 0,1 4 0,4-4 0,-5 6 0,1 0 0,4 0 0,-10 0 0,4 0 0,0 0 0,-3 0 0,8 0 0,-3-1 0,0 7 0,3-5 0,-8 4 0,8-5 0,-9 0 0,10-6 0,-10 4 0,10-4 0,-10 6 0,10 0 0,-10 5 0,4 2 0,1 5 0,0 0 0</inkml:trace>
 </inkml:ink>
 </file>
 
@@ -4061,9 +4061,17 @@
           </a:bodyPr>
           <a:lstStyle/>
           <a:p>
+            <a:pPr algn="ctr"/>
             <a:r>
               <a:rPr lang="en" dirty="0"/>
               <a:t>Face Recognition</a:t>
+            </a:r>
+            <a:br>
+              <a:rPr lang="en" dirty="0"/>
+            </a:br>
+            <a:r>
+              <a:rPr lang="en" sz="4400" dirty="0"/>
+              <a:t>Section 2</a:t>
             </a:r>
           </a:p>
         </p:txBody>
@@ -4436,7 +4444,49 @@
               </a:rPr>
               <a:t> </a:t>
             </a:r>
-            <a:endParaRPr lang="en" sz="4002" dirty="0">
+          </a:p>
+          <a:p>
+            <a:pPr marL="203226">
+              <a:buClr>
+                <a:srgbClr val="434343"/>
+              </a:buClr>
+            </a:pPr>
+            <a:r>
+              <a:rPr lang="en-GB" sz="2800" dirty="0">
+                <a:solidFill>
+                  <a:srgbClr val="434343"/>
+                </a:solidFill>
+              </a:rPr>
+              <a:t>This command will download these into the correct directories for you</a:t>
+            </a:r>
+          </a:p>
+          <a:p>
+            <a:pPr marL="203226">
+              <a:buClr>
+                <a:srgbClr val="434343"/>
+              </a:buClr>
+            </a:pPr>
+            <a:r>
+              <a:rPr lang="en-GB" sz="2400" dirty="0">
+                <a:solidFill>
+                  <a:srgbClr val="434343"/>
+                </a:solidFill>
+                <a:latin typeface="Consolas" panose="020B0609020204030204" pitchFamily="49" charset="0"/>
+                <a:cs typeface="Consolas" panose="020B0609020204030204" pitchFamily="49" charset="0"/>
+              </a:rPr>
+              <a:t>bash </a:t>
+            </a:r>
+            <a:r>
+              <a:rPr lang="en-GB" sz="2400" dirty="0" err="1">
+                <a:solidFill>
+                  <a:srgbClr val="434343"/>
+                </a:solidFill>
+                <a:latin typeface="Consolas" panose="020B0609020204030204" pitchFamily="49" charset="0"/>
+                <a:cs typeface="Consolas" panose="020B0609020204030204" pitchFamily="49" charset="0"/>
+              </a:rPr>
+              <a:t>download_lfw.sh</a:t>
+            </a:r>
+            <a:endParaRPr lang="en" sz="2800" dirty="0">
               <a:solidFill>
                 <a:srgbClr val="434343"/>
               </a:solidFill>
@@ -6779,8 +6829,8 @@
           </p:txBody>
         </p:sp>
       </p:grpSp>
-      <mc:AlternateContent xmlns:mc="http://schemas.openxmlformats.org/markup-compatibility/2006">
-        <mc:Choice xmlns:p14="http://schemas.microsoft.com/office/powerpoint/2010/main" Requires="p14">
+      <mc:AlternateContent xmlns:mc="http://schemas.openxmlformats.org/markup-compatibility/2006" xmlns:p14="http://schemas.microsoft.com/office/powerpoint/2010/main">
+        <mc:Choice Requires="p14">
           <p:contentPart p14:bwMode="auto" r:id="rId4">
             <p14:nvContentPartPr>
               <p14:cNvPr id="71" name="Ink 70">
@@ -6799,7 +6849,7 @@
             </p14:xfrm>
           </p:contentPart>
         </mc:Choice>
-        <mc:Fallback>
+        <mc:Fallback xmlns="">
           <p:pic>
             <p:nvPicPr>
               <p:cNvPr id="71" name="Ink 70">
@@ -6830,8 +6880,8 @@
           </p:pic>
         </mc:Fallback>
       </mc:AlternateContent>
-      <mc:AlternateContent xmlns:mc="http://schemas.openxmlformats.org/markup-compatibility/2006">
-        <mc:Choice xmlns:p14="http://schemas.microsoft.com/office/powerpoint/2010/main" Requires="p14">
+      <mc:AlternateContent xmlns:mc="http://schemas.openxmlformats.org/markup-compatibility/2006" xmlns:p14="http://schemas.microsoft.com/office/powerpoint/2010/main">
+        <mc:Choice Requires="p14">
           <p:contentPart p14:bwMode="auto" r:id="rId6">
             <p14:nvContentPartPr>
               <p14:cNvPr id="74" name="Ink 73">
@@ -6850,7 +6900,7 @@
             </p14:xfrm>
           </p:contentPart>
         </mc:Choice>
-        <mc:Fallback>
+        <mc:Fallback xmlns="">
           <p:pic>
             <p:nvPicPr>
               <p:cNvPr id="74" name="Ink 73">
@@ -6939,13 +6989,8 @@
             <a:pPr algn="ctr"/>
             <a:r>
               <a:rPr lang="en" sz="4402" dirty="0"/>
-              <a:t>Let’s look at Histogram of </a:t>
+              <a:t>Let’s look at Histogram of Orientated Gradients (HOG)</a:t>
             </a:r>
-            <a:r>
-              <a:rPr lang="en" sz="4402"/>
-              <a:t>Orientated Gradients (HOG)</a:t>
-            </a:r>
-            <a:endParaRPr lang="en" sz="4402" dirty="0"/>
           </a:p>
         </p:txBody>
       </p:sp>
@@ -6986,47 +7031,8 @@
                   <a:srgbClr val="434343"/>
                 </a:solidFill>
               </a:rPr>
-              <a:t>Face Detection identifies faces in an image</a:t>
+              <a:t>HOG looks for gradients in an image</a:t>
             </a:r>
-          </a:p>
-          <a:p>
-            <a:pPr marL="914507" indent="-711281">
-              <a:buClr>
-                <a:srgbClr val="434343"/>
-              </a:buClr>
-              <a:buChar char="●"/>
-            </a:pPr>
-            <a:endParaRPr lang="en-US" sz="4002" dirty="0">
-              <a:solidFill>
-                <a:srgbClr val="434343"/>
-              </a:solidFill>
-            </a:endParaRPr>
-          </a:p>
-          <a:p>
-            <a:pPr marL="914507" indent="-711281">
-              <a:buClr>
-                <a:srgbClr val="434343"/>
-              </a:buClr>
-              <a:buChar char="●"/>
-            </a:pPr>
-            <a:endParaRPr lang="en-US" sz="4002" dirty="0">
-              <a:solidFill>
-                <a:srgbClr val="434343"/>
-              </a:solidFill>
-            </a:endParaRPr>
-          </a:p>
-          <a:p>
-            <a:pPr marL="914507" indent="-711281">
-              <a:buClr>
-                <a:srgbClr val="434343"/>
-              </a:buClr>
-              <a:buChar char="●"/>
-            </a:pPr>
-            <a:endParaRPr lang="en-US" sz="4002" dirty="0">
-              <a:solidFill>
-                <a:srgbClr val="434343"/>
-              </a:solidFill>
-            </a:endParaRPr>
           </a:p>
           <a:p>
             <a:pPr marL="914507" indent="-711281">
@@ -7041,229 +7047,20 @@
                   <a:srgbClr val="434343"/>
                 </a:solidFill>
               </a:rPr>
-              <a:t>Face Recognition identifies who’s face it is</a:t>
+              <a:t>Faces have a fairly defined pattern that can be picked up</a:t>
             </a:r>
-            <a:endParaRPr lang="en" sz="4002" dirty="0">
+          </a:p>
+          <a:p>
+            <a:pPr marL="203226">
+              <a:buClr>
+                <a:srgbClr val="434343"/>
+              </a:buClr>
+            </a:pPr>
+            <a:endParaRPr lang="en-US" sz="4002" dirty="0">
               <a:solidFill>
                 <a:srgbClr val="434343"/>
               </a:solidFill>
             </a:endParaRPr>
-          </a:p>
-          <a:p>
-            <a:pPr marL="914507" indent="-711281">
-              <a:buClr>
-                <a:srgbClr val="434343"/>
-              </a:buClr>
-              <a:buChar char="●"/>
-            </a:pPr>
-            <a:endParaRPr lang="en" sz="4002" dirty="0">
-              <a:solidFill>
-                <a:srgbClr val="434343"/>
-              </a:solidFill>
-            </a:endParaRPr>
-          </a:p>
-        </p:txBody>
-      </p:sp>
-      <p:pic>
-        <p:nvPicPr>
-          <p:cNvPr id="3" name="Picture 2">
-            <a:extLst>
-              <a:ext uri="{FF2B5EF4-FFF2-40B4-BE49-F238E27FC236}">
-                <a16:creationId xmlns:a16="http://schemas.microsoft.com/office/drawing/2014/main" id="{E780E80A-9CDB-494D-AD96-727D2A031294}"/>
-              </a:ext>
-            </a:extLst>
-          </p:cNvPr>
-          <p:cNvPicPr>
-            <a:picLocks noChangeAspect="1"/>
-          </p:cNvPicPr>
-          <p:nvPr/>
-        </p:nvPicPr>
-        <p:blipFill>
-          <a:blip r:embed="rId3"/>
-          <a:stretch>
-            <a:fillRect/>
-          </a:stretch>
-        </p:blipFill>
-        <p:spPr>
-          <a:xfrm>
-            <a:off x="1966074" y="2817827"/>
-            <a:ext cx="2722303" cy="2722303"/>
-          </a:xfrm>
-          <a:prstGeom prst="rect">
-            <a:avLst/>
-          </a:prstGeom>
-        </p:spPr>
-      </p:pic>
-      <p:sp>
-        <p:nvSpPr>
-          <p:cNvPr id="4" name="Rectangle 3">
-            <a:extLst>
-              <a:ext uri="{FF2B5EF4-FFF2-40B4-BE49-F238E27FC236}">
-                <a16:creationId xmlns:a16="http://schemas.microsoft.com/office/drawing/2014/main" id="{4CE6D8D1-7948-5944-A071-5EB60B1DE0FF}"/>
-              </a:ext>
-            </a:extLst>
-          </p:cNvPr>
-          <p:cNvSpPr/>
-          <p:nvPr/>
-        </p:nvSpPr>
-        <p:spPr>
-          <a:xfrm>
-            <a:off x="2443942" y="3291840"/>
-            <a:ext cx="1512916" cy="1645920"/>
-          </a:xfrm>
-          <a:prstGeom prst="rect">
-            <a:avLst/>
-          </a:prstGeom>
-          <a:noFill/>
-          <a:ln>
-            <a:solidFill>
-              <a:srgbClr val="FF0000"/>
-            </a:solidFill>
-          </a:ln>
-        </p:spPr>
-        <p:style>
-          <a:lnRef idx="2">
-            <a:schemeClr val="accent1">
-              <a:shade val="50000"/>
-            </a:schemeClr>
-          </a:lnRef>
-          <a:fillRef idx="1">
-            <a:schemeClr val="accent1"/>
-          </a:fillRef>
-          <a:effectRef idx="0">
-            <a:schemeClr val="accent1"/>
-          </a:effectRef>
-          <a:fontRef idx="minor">
-            <a:schemeClr val="lt1"/>
-          </a:fontRef>
-        </p:style>
-        <p:txBody>
-          <a:bodyPr rtlCol="0" anchor="ctr"/>
-          <a:lstStyle/>
-          <a:p>
-            <a:pPr algn="ctr"/>
-            <a:endParaRPr lang="en-GB"/>
-          </a:p>
-        </p:txBody>
-      </p:sp>
-      <p:pic>
-        <p:nvPicPr>
-          <p:cNvPr id="7" name="Picture 6">
-            <a:extLst>
-              <a:ext uri="{FF2B5EF4-FFF2-40B4-BE49-F238E27FC236}">
-                <a16:creationId xmlns:a16="http://schemas.microsoft.com/office/drawing/2014/main" id="{DE3AE9C2-1353-8241-B011-060DC255FD0C}"/>
-              </a:ext>
-            </a:extLst>
-          </p:cNvPr>
-          <p:cNvPicPr>
-            <a:picLocks noChangeAspect="1"/>
-          </p:cNvPicPr>
-          <p:nvPr/>
-        </p:nvPicPr>
-        <p:blipFill>
-          <a:blip r:embed="rId3"/>
-          <a:stretch>
-            <a:fillRect/>
-          </a:stretch>
-        </p:blipFill>
-        <p:spPr>
-          <a:xfrm>
-            <a:off x="1966074" y="6372145"/>
-            <a:ext cx="2722303" cy="2722303"/>
-          </a:xfrm>
-          <a:prstGeom prst="rect">
-            <a:avLst/>
-          </a:prstGeom>
-        </p:spPr>
-      </p:pic>
-      <p:sp>
-        <p:nvSpPr>
-          <p:cNvPr id="8" name="Rectangle 7">
-            <a:extLst>
-              <a:ext uri="{FF2B5EF4-FFF2-40B4-BE49-F238E27FC236}">
-                <a16:creationId xmlns:a16="http://schemas.microsoft.com/office/drawing/2014/main" id="{6E06DC21-BE3F-8F4C-A973-7F076841578E}"/>
-              </a:ext>
-            </a:extLst>
-          </p:cNvPr>
-          <p:cNvSpPr/>
-          <p:nvPr/>
-        </p:nvSpPr>
-        <p:spPr>
-          <a:xfrm>
-            <a:off x="2443942" y="6846158"/>
-            <a:ext cx="1512916" cy="1645920"/>
-          </a:xfrm>
-          <a:prstGeom prst="rect">
-            <a:avLst/>
-          </a:prstGeom>
-          <a:noFill/>
-          <a:ln>
-            <a:solidFill>
-              <a:srgbClr val="FF0000"/>
-            </a:solidFill>
-          </a:ln>
-        </p:spPr>
-        <p:style>
-          <a:lnRef idx="2">
-            <a:schemeClr val="accent1">
-              <a:shade val="50000"/>
-            </a:schemeClr>
-          </a:lnRef>
-          <a:fillRef idx="1">
-            <a:schemeClr val="accent1"/>
-          </a:fillRef>
-          <a:effectRef idx="0">
-            <a:schemeClr val="accent1"/>
-          </a:effectRef>
-          <a:fontRef idx="minor">
-            <a:schemeClr val="lt1"/>
-          </a:fontRef>
-        </p:style>
-        <p:txBody>
-          <a:bodyPr rtlCol="0" anchor="ctr"/>
-          <a:lstStyle/>
-          <a:p>
-            <a:pPr algn="ctr"/>
-            <a:endParaRPr lang="en-GB"/>
-          </a:p>
-        </p:txBody>
-      </p:sp>
-      <p:sp>
-        <p:nvSpPr>
-          <p:cNvPr id="5" name="TextBox 4">
-            <a:extLst>
-              <a:ext uri="{FF2B5EF4-FFF2-40B4-BE49-F238E27FC236}">
-                <a16:creationId xmlns:a16="http://schemas.microsoft.com/office/drawing/2014/main" id="{6B8F62C9-DFD1-C04C-A782-219536FA100F}"/>
-              </a:ext>
-            </a:extLst>
-          </p:cNvPr>
-          <p:cNvSpPr txBox="1"/>
-          <p:nvPr/>
-        </p:nvSpPr>
-        <p:spPr>
-          <a:xfrm>
-            <a:off x="2443942" y="6479926"/>
-            <a:ext cx="2788920" cy="338554"/>
-          </a:xfrm>
-          <a:prstGeom prst="rect">
-            <a:avLst/>
-          </a:prstGeom>
-          <a:noFill/>
-        </p:spPr>
-        <p:txBody>
-          <a:bodyPr wrap="square" rtlCol="0">
-            <a:spAutoFit/>
-          </a:bodyPr>
-          <a:lstStyle/>
-          <a:p>
-            <a:r>
-              <a:rPr lang="en-GB" sz="1600" dirty="0">
-                <a:solidFill>
-                  <a:srgbClr val="FF0000"/>
-                </a:solidFill>
-              </a:rPr>
-              <a:t>Dan Ackroyd 83.2%</a:t>
-            </a:r>
           </a:p>
         </p:txBody>
       </p:sp>
